--- a/Team Software Project-Intro-Presentation.pptx
+++ b/Team Software Project-Intro-Presentation.pptx
@@ -119,7 +119,7 @@
 <file path=ppt/revisionInfo.xml><?xml version="1.0" encoding="utf-8"?>
 <p1510:revInfo xmlns:a="http://schemas.openxmlformats.org/drawingml/2006/main" xmlns:r="http://schemas.openxmlformats.org/officeDocument/2006/relationships" xmlns:p1510="http://schemas.microsoft.com/office/powerpoint/2015/10/main">
   <p1510:revLst>
-    <p1510:client id="{B69827AA-982A-4601-97A4-0B88B16A85A1}" v="4" dt="2024-02-09T10:53:12.696"/>
+    <p1510:client id="{B69827AA-982A-4601-97A4-0B88B16A85A1}" v="21" dt="2024-02-16T13:22:24.879"/>
   </p1510:revLst>
 </p1510:revInfo>
 </file>
@@ -128,13 +128,13 @@
 <pc:chgInfo xmlns:a="http://schemas.openxmlformats.org/drawingml/2006/main" xmlns:r="http://schemas.openxmlformats.org/officeDocument/2006/relationships" xmlns:ac="http://schemas.microsoft.com/office/drawing/2013/main/command" xmlns:pc="http://schemas.microsoft.com/office/powerpoint/2013/main/command">
   <pc:docChgLst>
     <pc:chgData name="Hrithik Chandra [Student-PECS]" userId="2731abff-1888-4545-9374-34aa9f89af3a" providerId="ADAL" clId="{B69827AA-982A-4601-97A4-0B88B16A85A1}"/>
-    <pc:docChg chg="undo custSel addSld delSld modSld sldOrd">
-      <pc:chgData name="Hrithik Chandra [Student-PECS]" userId="2731abff-1888-4545-9374-34aa9f89af3a" providerId="ADAL" clId="{B69827AA-982A-4601-97A4-0B88B16A85A1}" dt="2024-02-12T18:00:01.212" v="1441" actId="20577"/>
+    <pc:docChg chg="undo redo custSel addSld delSld modSld sldOrd">
+      <pc:chgData name="Hrithik Chandra [Student-PECS]" userId="2731abff-1888-4545-9374-34aa9f89af3a" providerId="ADAL" clId="{B69827AA-982A-4601-97A4-0B88B16A85A1}" dt="2024-02-16T23:36:59.506" v="3090" actId="1076"/>
       <pc:docMkLst>
         <pc:docMk/>
       </pc:docMkLst>
       <pc:sldChg chg="modSp mod">
-        <pc:chgData name="Hrithik Chandra [Student-PECS]" userId="2731abff-1888-4545-9374-34aa9f89af3a" providerId="ADAL" clId="{B69827AA-982A-4601-97A4-0B88B16A85A1}" dt="2024-02-09T10:43:10.643" v="43" actId="27636"/>
+        <pc:chgData name="Hrithik Chandra [Student-PECS]" userId="2731abff-1888-4545-9374-34aa9f89af3a" providerId="ADAL" clId="{B69827AA-982A-4601-97A4-0B88B16A85A1}" dt="2024-02-16T23:36:59.506" v="3090" actId="1076"/>
         <pc:sldMkLst>
           <pc:docMk/>
           <pc:sldMk cId="3773828247" sldId="256"/>
@@ -147,6 +147,14 @@
             <ac:spMk id="2" creationId="{7DFB14A2-4EA5-17E7-FC7B-D6CD85559E26}"/>
           </ac:spMkLst>
         </pc:spChg>
+        <pc:picChg chg="mod">
+          <ac:chgData name="Hrithik Chandra [Student-PECS]" userId="2731abff-1888-4545-9374-34aa9f89af3a" providerId="ADAL" clId="{B69827AA-982A-4601-97A4-0B88B16A85A1}" dt="2024-02-16T23:36:59.506" v="3090" actId="1076"/>
+          <ac:picMkLst>
+            <pc:docMk/>
+            <pc:sldMk cId="3773828247" sldId="256"/>
+            <ac:picMk id="3" creationId="{A190EF64-DFEE-EE6B-0BA7-6B799DC00D8C}"/>
+          </ac:picMkLst>
+        </pc:picChg>
       </pc:sldChg>
       <pc:sldChg chg="del">
         <pc:chgData name="Hrithik Chandra [Student-PECS]" userId="2731abff-1888-4545-9374-34aa9f89af3a" providerId="ADAL" clId="{B69827AA-982A-4601-97A4-0B88B16A85A1}" dt="2024-02-09T10:40:40.092" v="1" actId="47"/>
@@ -171,13 +179,13 @@
         </pc:spChg>
       </pc:sldChg>
       <pc:sldChg chg="modSp new mod">
-        <pc:chgData name="Hrithik Chandra [Student-PECS]" userId="2731abff-1888-4545-9374-34aa9f89af3a" providerId="ADAL" clId="{B69827AA-982A-4601-97A4-0B88B16A85A1}" dt="2024-02-09T12:59:10.634" v="1281" actId="255"/>
+        <pc:chgData name="Hrithik Chandra [Student-PECS]" userId="2731abff-1888-4545-9374-34aa9f89af3a" providerId="ADAL" clId="{B69827AA-982A-4601-97A4-0B88B16A85A1}" dt="2024-02-16T13:23:53.889" v="3052" actId="20577"/>
         <pc:sldMkLst>
           <pc:docMk/>
           <pc:sldMk cId="2330821397" sldId="259"/>
         </pc:sldMkLst>
         <pc:spChg chg="mod">
-          <ac:chgData name="Hrithik Chandra [Student-PECS]" userId="2731abff-1888-4545-9374-34aa9f89af3a" providerId="ADAL" clId="{B69827AA-982A-4601-97A4-0B88B16A85A1}" dt="2024-02-09T12:36:48.956" v="484" actId="255"/>
+          <ac:chgData name="Hrithik Chandra [Student-PECS]" userId="2731abff-1888-4545-9374-34aa9f89af3a" providerId="ADAL" clId="{B69827AA-982A-4601-97A4-0B88B16A85A1}" dt="2024-02-16T13:22:47.902" v="2961" actId="14100"/>
           <ac:spMkLst>
             <pc:docMk/>
             <pc:sldMk cId="2330821397" sldId="259"/>
@@ -185,7 +193,7 @@
           </ac:spMkLst>
         </pc:spChg>
         <pc:spChg chg="mod">
-          <ac:chgData name="Hrithik Chandra [Student-PECS]" userId="2731abff-1888-4545-9374-34aa9f89af3a" providerId="ADAL" clId="{B69827AA-982A-4601-97A4-0B88B16A85A1}" dt="2024-02-09T12:59:10.634" v="1281" actId="255"/>
+          <ac:chgData name="Hrithik Chandra [Student-PECS]" userId="2731abff-1888-4545-9374-34aa9f89af3a" providerId="ADAL" clId="{B69827AA-982A-4601-97A4-0B88B16A85A1}" dt="2024-02-16T13:23:53.889" v="3052" actId="20577"/>
           <ac:spMkLst>
             <pc:docMk/>
             <pc:sldMk cId="2330821397" sldId="259"/>
@@ -194,13 +202,13 @@
         </pc:spChg>
       </pc:sldChg>
       <pc:sldChg chg="addSp delSp modSp new mod">
-        <pc:chgData name="Hrithik Chandra [Student-PECS]" userId="2731abff-1888-4545-9374-34aa9f89af3a" providerId="ADAL" clId="{B69827AA-982A-4601-97A4-0B88B16A85A1}" dt="2024-02-09T13:06:00.720" v="1346" actId="20577"/>
+        <pc:chgData name="Hrithik Chandra [Student-PECS]" userId="2731abff-1888-4545-9374-34aa9f89af3a" providerId="ADAL" clId="{B69827AA-982A-4601-97A4-0B88B16A85A1}" dt="2024-02-16T23:36:02.493" v="3088" actId="20577"/>
         <pc:sldMkLst>
           <pc:docMk/>
           <pc:sldMk cId="1947303525" sldId="260"/>
         </pc:sldMkLst>
         <pc:spChg chg="mod">
-          <ac:chgData name="Hrithik Chandra [Student-PECS]" userId="2731abff-1888-4545-9374-34aa9f89af3a" providerId="ADAL" clId="{B69827AA-982A-4601-97A4-0B88B16A85A1}" dt="2024-02-09T10:46:09.501" v="228" actId="20577"/>
+          <ac:chgData name="Hrithik Chandra [Student-PECS]" userId="2731abff-1888-4545-9374-34aa9f89af3a" providerId="ADAL" clId="{B69827AA-982A-4601-97A4-0B88B16A85A1}" dt="2024-02-16T09:39:31.916" v="1653" actId="1076"/>
           <ac:spMkLst>
             <pc:docMk/>
             <pc:sldMk cId="1947303525" sldId="260"/>
@@ -216,7 +224,7 @@
           </ac:spMkLst>
         </pc:spChg>
         <pc:graphicFrameChg chg="add mod ord modGraphic">
-          <ac:chgData name="Hrithik Chandra [Student-PECS]" userId="2731abff-1888-4545-9374-34aa9f89af3a" providerId="ADAL" clId="{B69827AA-982A-4601-97A4-0B88B16A85A1}" dt="2024-02-09T13:06:00.720" v="1346" actId="20577"/>
+          <ac:chgData name="Hrithik Chandra [Student-PECS]" userId="2731abff-1888-4545-9374-34aa9f89af3a" providerId="ADAL" clId="{B69827AA-982A-4601-97A4-0B88B16A85A1}" dt="2024-02-16T23:36:02.493" v="3088" actId="20577"/>
           <ac:graphicFrameMkLst>
             <pc:docMk/>
             <pc:sldMk cId="1947303525" sldId="260"/>
@@ -398,7 +406,7 @@
           <a:p>
             <a:fld id="{A8B552FD-6F5F-4AD9-BD80-3584A168A154}" type="datetimeFigureOut">
               <a:rPr lang="en-IN" smtClean="0"/>
-              <a:t>12-02-2024</a:t>
+              <a:t>16-02-2024</a:t>
             </a:fld>
             <a:endParaRPr lang="en-IN"/>
           </a:p>
@@ -568,7 +576,7 @@
           <a:p>
             <a:fld id="{A8B552FD-6F5F-4AD9-BD80-3584A168A154}" type="datetimeFigureOut">
               <a:rPr lang="en-IN" smtClean="0"/>
-              <a:t>12-02-2024</a:t>
+              <a:t>16-02-2024</a:t>
             </a:fld>
             <a:endParaRPr lang="en-IN"/>
           </a:p>
@@ -748,7 +756,7 @@
           <a:p>
             <a:fld id="{A8B552FD-6F5F-4AD9-BD80-3584A168A154}" type="datetimeFigureOut">
               <a:rPr lang="en-IN" smtClean="0"/>
-              <a:t>12-02-2024</a:t>
+              <a:t>16-02-2024</a:t>
             </a:fld>
             <a:endParaRPr lang="en-IN"/>
           </a:p>
@@ -918,7 +926,7 @@
           <a:p>
             <a:fld id="{A8B552FD-6F5F-4AD9-BD80-3584A168A154}" type="datetimeFigureOut">
               <a:rPr lang="en-IN" smtClean="0"/>
-              <a:t>12-02-2024</a:t>
+              <a:t>16-02-2024</a:t>
             </a:fld>
             <a:endParaRPr lang="en-IN"/>
           </a:p>
@@ -1164,7 +1172,7 @@
           <a:p>
             <a:fld id="{A8B552FD-6F5F-4AD9-BD80-3584A168A154}" type="datetimeFigureOut">
               <a:rPr lang="en-IN" smtClean="0"/>
-              <a:t>12-02-2024</a:t>
+              <a:t>16-02-2024</a:t>
             </a:fld>
             <a:endParaRPr lang="en-IN"/>
           </a:p>
@@ -1396,7 +1404,7 @@
           <a:p>
             <a:fld id="{A8B552FD-6F5F-4AD9-BD80-3584A168A154}" type="datetimeFigureOut">
               <a:rPr lang="en-IN" smtClean="0"/>
-              <a:t>12-02-2024</a:t>
+              <a:t>16-02-2024</a:t>
             </a:fld>
             <a:endParaRPr lang="en-IN"/>
           </a:p>
@@ -1763,7 +1771,7 @@
           <a:p>
             <a:fld id="{A8B552FD-6F5F-4AD9-BD80-3584A168A154}" type="datetimeFigureOut">
               <a:rPr lang="en-IN" smtClean="0"/>
-              <a:t>12-02-2024</a:t>
+              <a:t>16-02-2024</a:t>
             </a:fld>
             <a:endParaRPr lang="en-IN"/>
           </a:p>
@@ -1881,7 +1889,7 @@
           <a:p>
             <a:fld id="{A8B552FD-6F5F-4AD9-BD80-3584A168A154}" type="datetimeFigureOut">
               <a:rPr lang="en-IN" smtClean="0"/>
-              <a:t>12-02-2024</a:t>
+              <a:t>16-02-2024</a:t>
             </a:fld>
             <a:endParaRPr lang="en-IN"/>
           </a:p>
@@ -1976,7 +1984,7 @@
           <a:p>
             <a:fld id="{A8B552FD-6F5F-4AD9-BD80-3584A168A154}" type="datetimeFigureOut">
               <a:rPr lang="en-IN" smtClean="0"/>
-              <a:t>12-02-2024</a:t>
+              <a:t>16-02-2024</a:t>
             </a:fld>
             <a:endParaRPr lang="en-IN"/>
           </a:p>
@@ -2253,7 +2261,7 @@
           <a:p>
             <a:fld id="{A8B552FD-6F5F-4AD9-BD80-3584A168A154}" type="datetimeFigureOut">
               <a:rPr lang="en-IN" smtClean="0"/>
-              <a:t>12-02-2024</a:t>
+              <a:t>16-02-2024</a:t>
             </a:fld>
             <a:endParaRPr lang="en-IN"/>
           </a:p>
@@ -2510,7 +2518,7 @@
           <a:p>
             <a:fld id="{A8B552FD-6F5F-4AD9-BD80-3584A168A154}" type="datetimeFigureOut">
               <a:rPr lang="en-IN" smtClean="0"/>
-              <a:t>12-02-2024</a:t>
+              <a:t>16-02-2024</a:t>
             </a:fld>
             <a:endParaRPr lang="en-IN"/>
           </a:p>
@@ -2723,7 +2731,7 @@
           <a:p>
             <a:fld id="{A8B552FD-6F5F-4AD9-BD80-3584A168A154}" type="datetimeFigureOut">
               <a:rPr lang="en-IN" smtClean="0"/>
-              <a:t>12-02-2024</a:t>
+              <a:t>16-02-2024</a:t>
             </a:fld>
             <a:endParaRPr lang="en-IN"/>
           </a:p>
@@ -3272,7 +3280,12 @@
             <p:ph type="title"/>
           </p:nvPr>
         </p:nvSpPr>
-        <p:spPr/>
+        <p:spPr>
+          <a:xfrm>
+            <a:off x="838200" y="365125"/>
+            <a:ext cx="10157604" cy="928837"/>
+          </a:xfrm>
+        </p:spPr>
         <p:txBody>
           <a:bodyPr>
             <a:normAutofit/>
@@ -3302,9 +3315,16 @@
             <p:ph idx="1"/>
           </p:nvPr>
         </p:nvSpPr>
-        <p:spPr/>
-        <p:txBody>
-          <a:bodyPr/>
+        <p:spPr>
+          <a:xfrm>
+            <a:off x="379562" y="1512498"/>
+            <a:ext cx="11507638" cy="5112589"/>
+          </a:xfrm>
+        </p:spPr>
+        <p:txBody>
+          <a:bodyPr>
+            <a:normAutofit/>
+          </a:bodyPr>
           <a:lstStyle/>
           <a:p>
             <a:pPr marL="114300" marR="0" indent="0" algn="just">
@@ -3317,7 +3337,7 @@
               <a:buNone/>
             </a:pPr>
             <a:r>
-              <a:rPr lang="en-IN" sz="1800" dirty="0">
+              <a:rPr lang="en-IN" sz="1600" dirty="0">
                 <a:effectLst/>
                 <a:latin typeface="Calibri" panose="020F0502020204030204" pitchFamily="34" charset="0"/>
               </a:rPr>
@@ -3332,7 +3352,7 @@
               <a:buNone/>
             </a:pPr>
             <a:r>
-              <a:rPr lang="en-IN" sz="2000" u="sng" dirty="0">
+              <a:rPr lang="en-IN" sz="1600" u="sng" dirty="0">
                 <a:latin typeface="Calibri" panose="020F0502020204030204" pitchFamily="34" charset="0"/>
               </a:rPr>
               <a:t>Project Name – </a:t>
@@ -3345,7 +3365,7 @@
               </a:spcBef>
               <a:buNone/>
             </a:pPr>
-            <a:endParaRPr lang="en-IN" sz="2000" dirty="0">
+            <a:endParaRPr lang="en-IN" sz="1600" dirty="0">
               <a:latin typeface="Calibri" panose="020F0502020204030204" pitchFamily="34" charset="0"/>
             </a:endParaRPr>
           </a:p>
@@ -3357,14 +3377,14 @@
               <a:buNone/>
             </a:pPr>
             <a:r>
-              <a:rPr lang="en-IN" sz="2000" b="1" u="sng" dirty="0">
+              <a:rPr lang="en-IN" sz="1600" b="1" u="sng" dirty="0">
                 <a:effectLst/>
                 <a:latin typeface="Calibri" panose="020F0502020204030204" pitchFamily="34" charset="0"/>
               </a:rPr>
               <a:t>About </a:t>
             </a:r>
             <a:r>
-              <a:rPr lang="en-IN" sz="2000" b="1" u="sng" dirty="0">
+              <a:rPr lang="en-IN" sz="1600" b="1" u="sng" dirty="0">
                 <a:latin typeface="Calibri" panose="020F0502020204030204" pitchFamily="34" charset="0"/>
               </a:rPr>
               <a:t>:</a:t>
@@ -3378,10 +3398,244 @@
               <a:buNone/>
             </a:pPr>
             <a:r>
-              <a:rPr lang="en-IN" sz="2000" dirty="0">
+              <a:rPr lang="en-IN" sz="1600" dirty="0">
                 <a:latin typeface="Calibri" panose="020F0502020204030204" pitchFamily="34" charset="0"/>
               </a:rPr>
               <a:t>An online marketplace selling affordable second-hand products for Students, by Students</a:t>
+            </a:r>
+          </a:p>
+          <a:p>
+            <a:pPr marL="0" indent="0" algn="just" fontAlgn="ctr">
+              <a:spcBef>
+                <a:spcPts val="0"/>
+              </a:spcBef>
+              <a:buNone/>
+            </a:pPr>
+            <a:endParaRPr lang="en-IN" sz="1600" dirty="0">
+              <a:latin typeface="Calibri" panose="020F0502020204030204" pitchFamily="34" charset="0"/>
+            </a:endParaRPr>
+          </a:p>
+          <a:p>
+            <a:pPr marL="0" indent="0" algn="just" fontAlgn="ctr">
+              <a:spcBef>
+                <a:spcPts val="0"/>
+              </a:spcBef>
+              <a:buNone/>
+            </a:pPr>
+            <a:r>
+              <a:rPr lang="en-IN" sz="1600" b="1" u="sng" dirty="0">
+                <a:latin typeface="Calibri" panose="020F0502020204030204" pitchFamily="34" charset="0"/>
+              </a:rPr>
+              <a:t>Aims</a:t>
+            </a:r>
+            <a:r>
+              <a:rPr lang="en-IN" sz="1600" u="sng" dirty="0">
+                <a:latin typeface="Calibri" panose="020F0502020204030204" pitchFamily="34" charset="0"/>
+              </a:rPr>
+              <a:t> :</a:t>
+            </a:r>
+          </a:p>
+          <a:p>
+            <a:pPr marL="457200" indent="-457200" algn="just" fontAlgn="ctr">
+              <a:spcBef>
+                <a:spcPts val="0"/>
+              </a:spcBef>
+              <a:buAutoNum type="arabicPeriod"/>
+            </a:pPr>
+            <a:r>
+              <a:rPr lang="en-US" sz="1600" dirty="0">
+                <a:latin typeface="Calibri" panose="020F0502020204030204" pitchFamily="34" charset="0"/>
+              </a:rPr>
+              <a:t>Allow access to a database of second-hand products showing facts such as price, product description (image, video), Seller contact information, location of university</a:t>
+            </a:r>
+          </a:p>
+          <a:p>
+            <a:pPr marL="457200" indent="-457200" algn="just" fontAlgn="ctr">
+              <a:spcBef>
+                <a:spcPts val="0"/>
+              </a:spcBef>
+              <a:buAutoNum type="arabicPeriod"/>
+            </a:pPr>
+            <a:r>
+              <a:rPr lang="en-US" sz="1600" dirty="0">
+                <a:latin typeface="Calibri" panose="020F0502020204030204" pitchFamily="34" charset="0"/>
+              </a:rPr>
+              <a:t>Allow users to put products they want to buy into shopping cart / </a:t>
+            </a:r>
+            <a:r>
+              <a:rPr lang="en-US" sz="1600" dirty="0" err="1">
+                <a:latin typeface="Calibri" panose="020F0502020204030204" pitchFamily="34" charset="0"/>
+              </a:rPr>
+              <a:t>wishlist</a:t>
+            </a:r>
+            <a:r>
+              <a:rPr lang="en-US" sz="1600" dirty="0">
+                <a:latin typeface="Calibri" panose="020F0502020204030204" pitchFamily="34" charset="0"/>
+              </a:rPr>
+              <a:t> </a:t>
+            </a:r>
+          </a:p>
+          <a:p>
+            <a:pPr marL="457200" indent="-457200" algn="just" fontAlgn="ctr">
+              <a:spcBef>
+                <a:spcPts val="0"/>
+              </a:spcBef>
+              <a:buAutoNum type="arabicPeriod"/>
+            </a:pPr>
+            <a:r>
+              <a:rPr lang="en-US" sz="1600" dirty="0">
+                <a:latin typeface="Calibri" panose="020F0502020204030204" pitchFamily="34" charset="0"/>
+              </a:rPr>
+              <a:t>Allow users to sell their products </a:t>
+            </a:r>
+          </a:p>
+          <a:p>
+            <a:pPr marL="457200" indent="-457200" algn="just" fontAlgn="ctr">
+              <a:spcBef>
+                <a:spcPts val="0"/>
+              </a:spcBef>
+              <a:buAutoNum type="arabicPeriod"/>
+            </a:pPr>
+            <a:r>
+              <a:rPr lang="en-US" sz="1600" dirty="0">
+                <a:latin typeface="Calibri" panose="020F0502020204030204" pitchFamily="34" charset="0"/>
+              </a:rPr>
+              <a:t>Allow users to message the sellers </a:t>
+            </a:r>
+          </a:p>
+          <a:p>
+            <a:pPr marL="457200" indent="-457200" algn="just" fontAlgn="ctr">
+              <a:spcBef>
+                <a:spcPts val="0"/>
+              </a:spcBef>
+              <a:buAutoNum type="arabicPeriod"/>
+            </a:pPr>
+            <a:r>
+              <a:rPr lang="en-US" sz="1600" dirty="0">
+                <a:latin typeface="Calibri" panose="020F0502020204030204" pitchFamily="34" charset="0"/>
+              </a:rPr>
+              <a:t>Provide access to a map system that allows users to determine their pick-up/drop-off location at the university.</a:t>
+            </a:r>
+          </a:p>
+          <a:p>
+            <a:pPr marL="457200" indent="-457200" algn="just" fontAlgn="ctr">
+              <a:spcBef>
+                <a:spcPts val="0"/>
+              </a:spcBef>
+              <a:buAutoNum type="arabicPeriod"/>
+            </a:pPr>
+            <a:r>
+              <a:rPr lang="en-US" sz="1600" dirty="0">
+                <a:latin typeface="Calibri" panose="020F0502020204030204" pitchFamily="34" charset="0"/>
+              </a:rPr>
+              <a:t>Allow users to report damaged or inappropriate items</a:t>
+            </a:r>
+          </a:p>
+          <a:p>
+            <a:pPr marL="457200" indent="-457200" algn="just" fontAlgn="ctr">
+              <a:spcBef>
+                <a:spcPts val="0"/>
+              </a:spcBef>
+              <a:buAutoNum type="arabicPeriod"/>
+            </a:pPr>
+            <a:r>
+              <a:rPr lang="en-IN" sz="1600" dirty="0">
+                <a:latin typeface="Calibri" panose="020F0502020204030204" pitchFamily="34" charset="0"/>
+              </a:rPr>
+              <a:t>Allow users to use either mobile app or website versions as per convenience. </a:t>
+            </a:r>
+          </a:p>
+          <a:p>
+            <a:pPr marL="0" indent="0" algn="just" fontAlgn="ctr">
+              <a:spcBef>
+                <a:spcPts val="0"/>
+              </a:spcBef>
+              <a:buNone/>
+            </a:pPr>
+            <a:endParaRPr lang="en-IN" sz="1600" dirty="0">
+              <a:effectLst/>
+              <a:latin typeface="Calibri" panose="020F0502020204030204" pitchFamily="34" charset="0"/>
+            </a:endParaRPr>
+          </a:p>
+          <a:p>
+            <a:pPr marL="0" indent="0" algn="just" fontAlgn="ctr">
+              <a:spcBef>
+                <a:spcPts val="0"/>
+              </a:spcBef>
+              <a:buNone/>
+            </a:pPr>
+            <a:r>
+              <a:rPr lang="en-IN" sz="1600" u="sng" dirty="0">
+                <a:latin typeface="Calibri" panose="020F0502020204030204" pitchFamily="34" charset="0"/>
+              </a:rPr>
+              <a:t>Platforms</a:t>
+            </a:r>
+            <a:r>
+              <a:rPr lang="en-IN" sz="1600" u="sng" dirty="0">
+                <a:effectLst/>
+                <a:latin typeface="Calibri" panose="020F0502020204030204" pitchFamily="34" charset="0"/>
+              </a:rPr>
+              <a:t> </a:t>
+            </a:r>
+            <a:r>
+              <a:rPr lang="en-IN" sz="1600" dirty="0">
+                <a:effectLst/>
+                <a:latin typeface="Calibri" panose="020F0502020204030204" pitchFamily="34" charset="0"/>
+              </a:rPr>
+              <a:t>– website</a:t>
+            </a:r>
+            <a:r>
+              <a:rPr lang="en-IN" sz="1600" dirty="0">
+                <a:latin typeface="Calibri" panose="020F0502020204030204" pitchFamily="34" charset="0"/>
+              </a:rPr>
+              <a:t>, </a:t>
+            </a:r>
+            <a:r>
+              <a:rPr lang="en-IN" sz="1600" dirty="0">
+                <a:effectLst/>
+                <a:latin typeface="Calibri" panose="020F0502020204030204" pitchFamily="34" charset="0"/>
+              </a:rPr>
+              <a:t>mobile app (later)</a:t>
+            </a:r>
+          </a:p>
+          <a:p>
+            <a:pPr marL="0" indent="0" algn="just" fontAlgn="ctr">
+              <a:spcBef>
+                <a:spcPts val="0"/>
+              </a:spcBef>
+              <a:buNone/>
+            </a:pPr>
+            <a:endParaRPr lang="en-IN" sz="1600" dirty="0">
+              <a:latin typeface="Calibri" panose="020F0502020204030204" pitchFamily="34" charset="0"/>
+            </a:endParaRPr>
+          </a:p>
+          <a:p>
+            <a:pPr marL="0" indent="0" algn="just" fontAlgn="ctr">
+              <a:spcBef>
+                <a:spcPts val="0"/>
+              </a:spcBef>
+              <a:buNone/>
+            </a:pPr>
+            <a:r>
+              <a:rPr lang="en-IN" sz="1600" dirty="0">
+                <a:effectLst/>
+                <a:latin typeface="Calibri" panose="020F0502020204030204" pitchFamily="34" charset="0"/>
+              </a:rPr>
+              <a:t>Inspiration – Facebook Marketplace, </a:t>
+            </a:r>
+            <a:r>
+              <a:rPr lang="en-IN" sz="1600" dirty="0" err="1">
+                <a:effectLst/>
+                <a:latin typeface="Calibri" panose="020F0502020204030204" pitchFamily="34" charset="0"/>
+              </a:rPr>
+              <a:t>Ebay</a:t>
+            </a:r>
+            <a:r>
+              <a:rPr lang="en-IN" sz="1600" dirty="0">
+                <a:effectLst/>
+                <a:latin typeface="Calibri" panose="020F0502020204030204" pitchFamily="34" charset="0"/>
+              </a:rPr>
+              <a:t>, Etsy, Amazon Shopping</a:t>
             </a:r>
           </a:p>
           <a:p>
@@ -3395,47 +3649,6 @@
               <a:effectLst/>
               <a:latin typeface="Calibri" panose="020F0502020204030204" pitchFamily="34" charset="0"/>
             </a:endParaRPr>
-          </a:p>
-          <a:p>
-            <a:pPr marL="0" indent="0" algn="just" fontAlgn="ctr">
-              <a:spcBef>
-                <a:spcPts val="0"/>
-              </a:spcBef>
-              <a:buNone/>
-            </a:pPr>
-            <a:r>
-              <a:rPr lang="en-IN" sz="2000" u="sng" dirty="0">
-                <a:latin typeface="Calibri" panose="020F0502020204030204" pitchFamily="34" charset="0"/>
-              </a:rPr>
-              <a:t>Platforms</a:t>
-            </a:r>
-            <a:r>
-              <a:rPr lang="en-IN" sz="2000" u="sng" dirty="0">
-                <a:effectLst/>
-                <a:latin typeface="Calibri" panose="020F0502020204030204" pitchFamily="34" charset="0"/>
-              </a:rPr>
-              <a:t> </a:t>
-            </a:r>
-            <a:r>
-              <a:rPr lang="en-IN" sz="2000" dirty="0">
-                <a:effectLst/>
-                <a:latin typeface="Calibri" panose="020F0502020204030204" pitchFamily="34" charset="0"/>
-              </a:rPr>
-              <a:t>– website</a:t>
-            </a:r>
-            <a:r>
-              <a:rPr lang="en-IN" sz="2000" dirty="0">
-                <a:latin typeface="Calibri" panose="020F0502020204030204" pitchFamily="34" charset="0"/>
-              </a:rPr>
-              <a:t>, </a:t>
-            </a:r>
-            <a:r>
-              <a:rPr lang="en-IN" sz="2000" dirty="0">
-                <a:effectLst/>
-                <a:latin typeface="Calibri" panose="020F0502020204030204" pitchFamily="34" charset="0"/>
-              </a:rPr>
-              <a:t>mobile app (later)</a:t>
-            </a:r>
           </a:p>
           <a:p>
             <a:pPr marL="0" indent="0" algn="just" fontAlgn="ctr">
@@ -4045,14 +4258,19 @@
             <p:ph type="title"/>
           </p:nvPr>
         </p:nvSpPr>
-        <p:spPr/>
+        <p:spPr>
+          <a:xfrm>
+            <a:off x="838200" y="324868"/>
+            <a:ext cx="10515600" cy="1325563"/>
+          </a:xfrm>
+        </p:spPr>
         <p:txBody>
           <a:bodyPr/>
           <a:lstStyle/>
           <a:p>
             <a:r>
               <a:rPr lang="en-IN" dirty="0"/>
-              <a:t>Potential Roles</a:t>
+              <a:t>Roles</a:t>
             </a:r>
           </a:p>
         </p:txBody>
@@ -4073,14 +4291,14 @@
             <p:ph idx="1"/>
             <p:extLst>
               <p:ext uri="{D42A27DB-BD31-4B8C-83A1-F6EECF244321}">
-                <p14:modId xmlns:p14="http://schemas.microsoft.com/office/powerpoint/2010/main" val="2649152884"/>
+                <p14:modId xmlns:p14="http://schemas.microsoft.com/office/powerpoint/2010/main" val="250526246"/>
               </p:ext>
             </p:extLst>
           </p:nvPr>
         </p:nvGraphicFramePr>
         <p:xfrm>
-          <a:off x="838200" y="1883135"/>
-          <a:ext cx="10629182" cy="2635224"/>
+          <a:off x="838201" y="1932167"/>
+          <a:ext cx="10945482" cy="3984404"/>
         </p:xfrm>
         <a:graphic>
           <a:graphicData uri="http://schemas.openxmlformats.org/drawingml/2006/table">
@@ -4089,21 +4307,35 @@
                 <a:tableStyleId>{5C22544A-7EE6-4342-B048-85BDC9FD1C3A}</a:tableStyleId>
               </a:tblPr>
               <a:tblGrid>
-                <a:gridCol w="3268059">
+                <a:gridCol w="2083883">
                   <a:extLst>
                     <a:ext uri="{9D8B030D-6E8A-4147-A177-3AD203B41FA5}">
                       <a16:colId xmlns:a16="http://schemas.microsoft.com/office/drawing/2014/main" val="1719561571"/>
                     </a:ext>
                   </a:extLst>
                 </a:gridCol>
-                <a:gridCol w="3571250">
+                <a:gridCol w="2083883">
+                  <a:extLst>
+                    <a:ext uri="{9D8B030D-6E8A-4147-A177-3AD203B41FA5}">
+                      <a16:colId xmlns:a16="http://schemas.microsoft.com/office/drawing/2014/main" val="802383690"/>
+                    </a:ext>
+                  </a:extLst>
+                </a:gridCol>
+                <a:gridCol w="2083883">
+                  <a:extLst>
+                    <a:ext uri="{9D8B030D-6E8A-4147-A177-3AD203B41FA5}">
+                      <a16:colId xmlns:a16="http://schemas.microsoft.com/office/drawing/2014/main" val="2037388338"/>
+                    </a:ext>
+                  </a:extLst>
+                </a:gridCol>
+                <a:gridCol w="2277214">
                   <a:extLst>
                     <a:ext uri="{9D8B030D-6E8A-4147-A177-3AD203B41FA5}">
                       <a16:colId xmlns:a16="http://schemas.microsoft.com/office/drawing/2014/main" val="1272563486"/>
                     </a:ext>
                   </a:extLst>
                 </a:gridCol>
-                <a:gridCol w="3789873">
+                <a:gridCol w="2416619">
                   <a:extLst>
                     <a:ext uri="{9D8B030D-6E8A-4147-A177-3AD203B41FA5}">
                       <a16:colId xmlns:a16="http://schemas.microsoft.com/office/drawing/2014/main" val="3739040272"/>
@@ -4111,15 +4343,15 @@
                   </a:extLst>
                 </a:gridCol>
               </a:tblGrid>
-              <a:tr h="308282">
+              <a:tr h="621252">
                 <a:tc>
                   <a:txBody>
                     <a:bodyPr/>
                     <a:lstStyle/>
                     <a:p>
                       <a:r>
-                        <a:rPr lang="en-IN" dirty="0"/>
-                        <a:t>Name</a:t>
+                        <a:rPr lang="en-IN" sz="1400" dirty="0"/>
+                        <a:t>Hrithik Chandra</a:t>
                       </a:r>
                     </a:p>
                   </a:txBody>
@@ -4131,8 +4363,8 @@
                     <a:lstStyle/>
                     <a:p>
                       <a:r>
-                        <a:rPr lang="en-IN" dirty="0"/>
-                        <a:t>General Roles (Primary, Secondary, Common)</a:t>
+                        <a:rPr lang="en-IN" sz="1400" dirty="0"/>
+                        <a:t>Jemima Anil George</a:t>
                       </a:r>
                     </a:p>
                   </a:txBody>
@@ -4144,8 +4376,38 @@
                     <a:lstStyle/>
                     <a:p>
                       <a:r>
-                        <a:rPr lang="en-IN" dirty="0"/>
-                        <a:t>Details</a:t>
+                        <a:rPr lang="en-IN" sz="1400" dirty="0"/>
+                        <a:t>Anderson Sugianto</a:t>
+                      </a:r>
+                    </a:p>
+                  </a:txBody>
+                  <a:tcPr/>
+                </a:tc>
+                <a:tc>
+                  <a:txBody>
+                    <a:bodyPr/>
+                    <a:lstStyle/>
+                    <a:p>
+                      <a:r>
+                        <a:rPr lang="en-IN" sz="1400" dirty="0"/>
+                        <a:t>Sujan Gurung</a:t>
+                      </a:r>
+                    </a:p>
+                  </a:txBody>
+                  <a:tcPr/>
+                </a:tc>
+                <a:tc>
+                  <a:txBody>
+                    <a:bodyPr/>
+                    <a:lstStyle/>
+                    <a:p>
+                      <a:r>
+                        <a:rPr lang="en-IN" sz="1400" dirty="0" err="1"/>
+                        <a:t>Mahfuza</a:t>
+                      </a:r>
+                      <a:r>
+                        <a:rPr lang="en-IN" sz="1400" dirty="0"/>
+                        <a:t> Begum</a:t>
                       </a:r>
                     </a:p>
                   </a:txBody>
@@ -4157,15 +4419,15 @@
                   </a:ext>
                 </a:extLst>
               </a:tr>
-              <a:tr h="532104">
+              <a:tr h="436336">
                 <a:tc>
                   <a:txBody>
                     <a:bodyPr/>
                     <a:lstStyle/>
                     <a:p>
                       <a:r>
-                        <a:rPr lang="en-IN" dirty="0"/>
-                        <a:t>Hrithik (Acting Leader)</a:t>
+                        <a:rPr lang="en-IN" sz="1400" dirty="0"/>
+                        <a:t>Current Team Leader</a:t>
                       </a:r>
                     </a:p>
                   </a:txBody>
@@ -4177,38 +4439,8 @@
                     <a:lstStyle/>
                     <a:p>
                       <a:r>
-                        <a:rPr lang="en-IN" dirty="0"/>
-                        <a:t>Code, Design, Research</a:t>
-                      </a:r>
-                    </a:p>
-                  </a:txBody>
-                  <a:tcPr/>
-                </a:tc>
-                <a:tc>
-                  <a:txBody>
-                    <a:bodyPr/>
-                    <a:lstStyle/>
-                    <a:p>
-                      <a:endParaRPr lang="en-IN"/>
-                    </a:p>
-                  </a:txBody>
-                  <a:tcPr/>
-                </a:tc>
-                <a:extLst>
-                  <a:ext uri="{0D108BD9-81ED-4DB2-BD59-A6C34878D82A}">
-                    <a16:rowId xmlns:a16="http://schemas.microsoft.com/office/drawing/2014/main" val="3975577841"/>
-                  </a:ext>
-                </a:extLst>
-              </a:tr>
-              <a:tr h="308282">
-                <a:tc>
-                  <a:txBody>
-                    <a:bodyPr/>
-                    <a:lstStyle/>
-                    <a:p>
-                      <a:r>
-                        <a:rPr lang="en-IN" dirty="0"/>
-                        <a:t>Mahfuza</a:t>
+                        <a:rPr lang="en-IN" sz="1400" dirty="0"/>
+                        <a:t>Design – Website Prototype</a:t>
                       </a:r>
                     </a:p>
                   </a:txBody>
@@ -4220,38 +4452,8 @@
                     <a:lstStyle/>
                     <a:p>
                       <a:r>
-                        <a:rPr lang="en-IN" dirty="0"/>
-                        <a:t>Design, Research</a:t>
-                      </a:r>
-                    </a:p>
-                  </a:txBody>
-                  <a:tcPr/>
-                </a:tc>
-                <a:tc>
-                  <a:txBody>
-                    <a:bodyPr/>
-                    <a:lstStyle/>
-                    <a:p>
-                      <a:endParaRPr lang="en-IN"/>
-                    </a:p>
-                  </a:txBody>
-                  <a:tcPr/>
-                </a:tc>
-                <a:extLst>
-                  <a:ext uri="{0D108BD9-81ED-4DB2-BD59-A6C34878D82A}">
-                    <a16:rowId xmlns:a16="http://schemas.microsoft.com/office/drawing/2014/main" val="25218219"/>
-                  </a:ext>
-                </a:extLst>
-              </a:tr>
-              <a:tr h="308282">
-                <a:tc>
-                  <a:txBody>
-                    <a:bodyPr/>
-                    <a:lstStyle/>
-                    <a:p>
-                      <a:r>
-                        <a:rPr lang="en-IN" dirty="0"/>
-                        <a:t>Jemima</a:t>
+                        <a:rPr lang="en-IN" sz="1400" dirty="0"/>
+                        <a:t>Design Lead – Mobile App Prototype</a:t>
                       </a:r>
                     </a:p>
                   </a:txBody>
@@ -4263,38 +4465,8 @@
                     <a:lstStyle/>
                     <a:p>
                       <a:r>
-                        <a:rPr lang="en-IN" dirty="0"/>
-                        <a:t>Code, Research</a:t>
-                      </a:r>
-                    </a:p>
-                  </a:txBody>
-                  <a:tcPr/>
-                </a:tc>
-                <a:tc>
-                  <a:txBody>
-                    <a:bodyPr/>
-                    <a:lstStyle/>
-                    <a:p>
-                      <a:endParaRPr lang="en-IN" dirty="0"/>
-                    </a:p>
-                  </a:txBody>
-                  <a:tcPr/>
-                </a:tc>
-                <a:extLst>
-                  <a:ext uri="{0D108BD9-81ED-4DB2-BD59-A6C34878D82A}">
-                    <a16:rowId xmlns:a16="http://schemas.microsoft.com/office/drawing/2014/main" val="1152992993"/>
-                  </a:ext>
-                </a:extLst>
-              </a:tr>
-              <a:tr h="308282">
-                <a:tc>
-                  <a:txBody>
-                    <a:bodyPr/>
-                    <a:lstStyle/>
-                    <a:p>
-                      <a:r>
-                        <a:rPr lang="en-IN" dirty="0"/>
-                        <a:t>Anderson</a:t>
+                        <a:rPr lang="en-IN" sz="1400" dirty="0"/>
+                        <a:t>Design - Prototype</a:t>
                       </a:r>
                     </a:p>
                   </a:txBody>
@@ -4306,38 +4478,28 @@
                     <a:lstStyle/>
                     <a:p>
                       <a:r>
-                        <a:rPr lang="en-IN" dirty="0"/>
-                        <a:t>Code, Design, Research</a:t>
+                        <a:rPr lang="en-IN" sz="1400" dirty="0"/>
+                        <a:t>Design - Prototype</a:t>
                       </a:r>
-                    </a:p>
-                  </a:txBody>
-                  <a:tcPr/>
-                </a:tc>
-                <a:tc>
-                  <a:txBody>
-                    <a:bodyPr/>
-                    <a:lstStyle/>
-                    <a:p>
-                      <a:endParaRPr lang="en-IN" dirty="0"/>
                     </a:p>
                   </a:txBody>
                   <a:tcPr/>
                 </a:tc>
                 <a:extLst>
                   <a:ext uri="{0D108BD9-81ED-4DB2-BD59-A6C34878D82A}">
-                    <a16:rowId xmlns:a16="http://schemas.microsoft.com/office/drawing/2014/main" val="3893693442"/>
+                    <a16:rowId xmlns:a16="http://schemas.microsoft.com/office/drawing/2014/main" val="3975577841"/>
                   </a:ext>
                 </a:extLst>
               </a:tr>
-              <a:tr h="308282">
+              <a:tr h="0">
                 <a:tc>
                   <a:txBody>
                     <a:bodyPr/>
                     <a:lstStyle/>
                     <a:p>
                       <a:r>
-                        <a:rPr lang="en-IN" dirty="0"/>
-                        <a:t>Sujan</a:t>
+                        <a:rPr lang="en-IN" sz="1400" dirty="0"/>
+                        <a:t>Team GitHub, Trello Management</a:t>
                       </a:r>
                     </a:p>
                   </a:txBody>
@@ -4349,8 +4511,8 @@
                     <a:lstStyle/>
                     <a:p>
                       <a:r>
-                        <a:rPr lang="en-IN" dirty="0"/>
-                        <a:t>Design, Code, Research</a:t>
+                        <a:rPr lang="en-IN" sz="1400" dirty="0"/>
+                        <a:t>Gantt Chart Production and Management</a:t>
                       </a:r>
                     </a:p>
                   </a:txBody>
@@ -4361,7 +4523,316 @@
                     <a:bodyPr/>
                     <a:lstStyle/>
                     <a:p>
-                      <a:endParaRPr lang="en-IN" dirty="0"/>
+                      <a:r>
+                        <a:rPr lang="en-IN" sz="1400" dirty="0"/>
+                        <a:t>Research into problems that can be faced and their solutions</a:t>
+                      </a:r>
+                    </a:p>
+                  </a:txBody>
+                  <a:tcPr/>
+                </a:tc>
+                <a:tc>
+                  <a:txBody>
+                    <a:bodyPr/>
+                    <a:lstStyle/>
+                    <a:p>
+                      <a:r>
+                        <a:rPr lang="en-IN" sz="1400" dirty="0"/>
+                        <a:t>Research website designs that are known for ease of usability.</a:t>
+                      </a:r>
+                    </a:p>
+                  </a:txBody>
+                  <a:tcPr/>
+                </a:tc>
+                <a:tc>
+                  <a:txBody>
+                    <a:bodyPr/>
+                    <a:lstStyle/>
+                    <a:p>
+                      <a:r>
+                        <a:rPr lang="en-IN" sz="1400" dirty="0"/>
+                        <a:t>Research into possible website names and logos and colour scheme</a:t>
+                      </a:r>
+                    </a:p>
+                  </a:txBody>
+                  <a:tcPr/>
+                </a:tc>
+                <a:extLst>
+                  <a:ext uri="{0D108BD9-81ED-4DB2-BD59-A6C34878D82A}">
+                    <a16:rowId xmlns:a16="http://schemas.microsoft.com/office/drawing/2014/main" val="25218219"/>
+                  </a:ext>
+                </a:extLst>
+              </a:tr>
+              <a:tr h="421705">
+                <a:tc>
+                  <a:txBody>
+                    <a:bodyPr/>
+                    <a:lstStyle/>
+                    <a:p>
+                      <a:pPr marL="0" marR="0" lvl="0" indent="0" algn="l" defTabSz="914400" rtl="0" eaLnBrk="1" fontAlgn="auto" latinLnBrk="0" hangingPunct="1">
+                        <a:lnSpc>
+                          <a:spcPct val="100000"/>
+                        </a:lnSpc>
+                        <a:spcBef>
+                          <a:spcPts val="0"/>
+                        </a:spcBef>
+                        <a:spcAft>
+                          <a:spcPts val="0"/>
+                        </a:spcAft>
+                        <a:buClrTx/>
+                        <a:buSzTx/>
+                        <a:buFontTx/>
+                        <a:buNone/>
+                        <a:tabLst/>
+                        <a:defRPr/>
+                      </a:pPr>
+                      <a:r>
+                        <a:rPr lang="en-IN" sz="1400" dirty="0"/>
+                        <a:t>Research into problems that can be faced </a:t>
+                      </a:r>
+                    </a:p>
+                  </a:txBody>
+                  <a:tcPr/>
+                </a:tc>
+                <a:tc>
+                  <a:txBody>
+                    <a:bodyPr/>
+                    <a:lstStyle/>
+                    <a:p>
+                      <a:pPr marL="0" marR="0" lvl="0" indent="0" algn="l" defTabSz="914400" rtl="0" eaLnBrk="1" fontAlgn="auto" latinLnBrk="0" hangingPunct="1">
+                        <a:lnSpc>
+                          <a:spcPct val="100000"/>
+                        </a:lnSpc>
+                        <a:spcBef>
+                          <a:spcPts val="0"/>
+                        </a:spcBef>
+                        <a:spcAft>
+                          <a:spcPts val="0"/>
+                        </a:spcAft>
+                        <a:buClrTx/>
+                        <a:buSzTx/>
+                        <a:buFontTx/>
+                        <a:buNone/>
+                        <a:tabLst/>
+                        <a:defRPr/>
+                      </a:pPr>
+                      <a:r>
+                        <a:rPr lang="en-IN" sz="1400" dirty="0"/>
+                        <a:t>Research into problems that can be faced </a:t>
+                      </a:r>
+                    </a:p>
+                  </a:txBody>
+                  <a:tcPr/>
+                </a:tc>
+                <a:tc>
+                  <a:txBody>
+                    <a:bodyPr/>
+                    <a:lstStyle/>
+                    <a:p>
+                      <a:endParaRPr lang="en-IN" sz="1400" dirty="0"/>
+                    </a:p>
+                  </a:txBody>
+                  <a:tcPr/>
+                </a:tc>
+                <a:tc>
+                  <a:txBody>
+                    <a:bodyPr/>
+                    <a:lstStyle/>
+                    <a:p>
+                      <a:endParaRPr lang="en-IN" sz="1400" dirty="0"/>
+                    </a:p>
+                  </a:txBody>
+                  <a:tcPr/>
+                </a:tc>
+                <a:tc>
+                  <a:txBody>
+                    <a:bodyPr/>
+                    <a:lstStyle/>
+                    <a:p>
+                      <a:endParaRPr lang="en-IN" sz="1400" dirty="0"/>
+                    </a:p>
+                  </a:txBody>
+                  <a:tcPr/>
+                </a:tc>
+                <a:extLst>
+                  <a:ext uri="{0D108BD9-81ED-4DB2-BD59-A6C34878D82A}">
+                    <a16:rowId xmlns:a16="http://schemas.microsoft.com/office/drawing/2014/main" val="1152992993"/>
+                  </a:ext>
+                </a:extLst>
+              </a:tr>
+              <a:tr h="408317">
+                <a:tc>
+                  <a:txBody>
+                    <a:bodyPr/>
+                    <a:lstStyle/>
+                    <a:p>
+                      <a:pPr marL="0" marR="0" lvl="0" indent="0" algn="l" defTabSz="914400" rtl="0" eaLnBrk="1" fontAlgn="auto" latinLnBrk="0" hangingPunct="1">
+                        <a:lnSpc>
+                          <a:spcPct val="100000"/>
+                        </a:lnSpc>
+                        <a:spcBef>
+                          <a:spcPts val="0"/>
+                        </a:spcBef>
+                        <a:spcAft>
+                          <a:spcPts val="0"/>
+                        </a:spcAft>
+                        <a:buClrTx/>
+                        <a:buSzTx/>
+                        <a:buFontTx/>
+                        <a:buNone/>
+                        <a:tabLst/>
+                        <a:defRPr/>
+                      </a:pPr>
+                      <a:r>
+                        <a:rPr lang="en-IN" sz="1400" dirty="0"/>
+                        <a:t>Research into existing online marketplace websites: Identify key features</a:t>
+                      </a:r>
+                    </a:p>
+                    <a:p>
+                      <a:endParaRPr lang="en-IN" sz="1400" dirty="0"/>
+                    </a:p>
+                  </a:txBody>
+                  <a:tcPr/>
+                </a:tc>
+                <a:tc>
+                  <a:txBody>
+                    <a:bodyPr/>
+                    <a:lstStyle/>
+                    <a:p>
+                      <a:pPr marL="0" marR="0" lvl="0" indent="0" algn="l" defTabSz="914400" rtl="0" eaLnBrk="1" fontAlgn="auto" latinLnBrk="0" hangingPunct="1">
+                        <a:lnSpc>
+                          <a:spcPct val="100000"/>
+                        </a:lnSpc>
+                        <a:spcBef>
+                          <a:spcPts val="0"/>
+                        </a:spcBef>
+                        <a:spcAft>
+                          <a:spcPts val="0"/>
+                        </a:spcAft>
+                        <a:buClrTx/>
+                        <a:buSzTx/>
+                        <a:buFontTx/>
+                        <a:buNone/>
+                        <a:tabLst/>
+                        <a:defRPr/>
+                      </a:pPr>
+                      <a:r>
+                        <a:rPr lang="en-IN" sz="1400" dirty="0"/>
+                        <a:t>Research into existing online marketplace websites: Identify key features</a:t>
+                      </a:r>
+                    </a:p>
+                    <a:p>
+                      <a:endParaRPr lang="en-IN" sz="1400" dirty="0"/>
+                    </a:p>
+                  </a:txBody>
+                  <a:tcPr/>
+                </a:tc>
+                <a:tc>
+                  <a:txBody>
+                    <a:bodyPr/>
+                    <a:lstStyle/>
+                    <a:p>
+                      <a:endParaRPr lang="en-IN" sz="1400" dirty="0"/>
+                    </a:p>
+                  </a:txBody>
+                  <a:tcPr/>
+                </a:tc>
+                <a:tc>
+                  <a:txBody>
+                    <a:bodyPr/>
+                    <a:lstStyle/>
+                    <a:p>
+                      <a:pPr marL="0" marR="0" lvl="0" indent="0" algn="l" defTabSz="914400" rtl="0" eaLnBrk="1" fontAlgn="auto" latinLnBrk="0" hangingPunct="1">
+                        <a:lnSpc>
+                          <a:spcPct val="100000"/>
+                        </a:lnSpc>
+                        <a:spcBef>
+                          <a:spcPts val="0"/>
+                        </a:spcBef>
+                        <a:spcAft>
+                          <a:spcPts val="0"/>
+                        </a:spcAft>
+                        <a:buClrTx/>
+                        <a:buSzTx/>
+                        <a:buFontTx/>
+                        <a:buNone/>
+                        <a:tabLst/>
+                        <a:defRPr/>
+                      </a:pPr>
+                      <a:r>
+                        <a:rPr lang="en-IN" sz="1400" dirty="0"/>
+                        <a:t>Minutes Taker</a:t>
+                      </a:r>
+                    </a:p>
+                    <a:p>
+                      <a:endParaRPr lang="en-IN" sz="1400" dirty="0"/>
+                    </a:p>
+                  </a:txBody>
+                  <a:tcPr/>
+                </a:tc>
+                <a:tc>
+                  <a:txBody>
+                    <a:bodyPr/>
+                    <a:lstStyle/>
+                    <a:p>
+                      <a:endParaRPr lang="en-IN" sz="1400" dirty="0"/>
+                    </a:p>
+                  </a:txBody>
+                  <a:tcPr/>
+                </a:tc>
+                <a:extLst>
+                  <a:ext uri="{0D108BD9-81ED-4DB2-BD59-A6C34878D82A}">
+                    <a16:rowId xmlns:a16="http://schemas.microsoft.com/office/drawing/2014/main" val="3893693442"/>
+                  </a:ext>
+                </a:extLst>
+              </a:tr>
+              <a:tr h="437072">
+                <a:tc>
+                  <a:txBody>
+                    <a:bodyPr/>
+                    <a:lstStyle/>
+                    <a:p>
+                      <a:endParaRPr lang="en-IN" sz="1400" dirty="0"/>
+                    </a:p>
+                  </a:txBody>
+                  <a:tcPr/>
+                </a:tc>
+                <a:tc>
+                  <a:txBody>
+                    <a:bodyPr/>
+                    <a:lstStyle/>
+                    <a:p>
+                      <a:endParaRPr lang="en-IN" sz="1400" dirty="0"/>
+                    </a:p>
+                  </a:txBody>
+                  <a:tcPr/>
+                </a:tc>
+                <a:tc>
+                  <a:txBody>
+                    <a:bodyPr/>
+                    <a:lstStyle/>
+                    <a:p>
+                      <a:endParaRPr lang="en-IN" sz="1400" dirty="0"/>
+                    </a:p>
+                  </a:txBody>
+                  <a:tcPr/>
+                </a:tc>
+                <a:tc>
+                  <a:txBody>
+                    <a:bodyPr/>
+                    <a:lstStyle/>
+                    <a:p>
+                      <a:endParaRPr lang="en-IN" sz="1400" dirty="0"/>
+                    </a:p>
+                  </a:txBody>
+                  <a:tcPr/>
+                </a:tc>
+                <a:tc>
+                  <a:txBody>
+                    <a:bodyPr/>
+                    <a:lstStyle/>
+                    <a:p>
+                      <a:endParaRPr lang="en-IN" sz="1400" dirty="0"/>
                     </a:p>
                   </a:txBody>
                   <a:tcPr/>
